--- a/CCC_Junior/Week1/Week1.pptx
+++ b/CCC_Junior/Week1/Week1.pptx
@@ -22,10 +22,10 @@
     <p:sldId id="267" r:id="rId16"/>
     <p:sldId id="268" r:id="rId17"/>
     <p:sldId id="269" r:id="rId18"/>
-    <p:sldId id="276" r:id="rId19"/>
-    <p:sldId id="275" r:id="rId20"/>
-    <p:sldId id="273" r:id="rId21"/>
-    <p:sldId id="274" r:id="rId22"/>
+    <p:sldId id="311" r:id="rId19"/>
+    <p:sldId id="312" r:id="rId20"/>
+    <p:sldId id="276" r:id="rId21"/>
+    <p:sldId id="275" r:id="rId22"/>
   </p:sldIdLst>
   <p:sldSz cx="12192000" cy="6858000"/>
   <p:notesSz cx="6858000" cy="9144000"/>
@@ -287,7 +287,7 @@
             <a:fld id="{3F9AFA87-1417-4992-ABD9-27C3BC8CC883}" type="datetimeFigureOut">
               <a:rPr lang="en-US" smtClean="0"/>
               <a:pPr algn="r"/>
-              <a:t>7/21/22</a:t>
+              <a:t>11/15/22</a:t>
             </a:fld>
             <a:endParaRPr lang="en-US" dirty="0"/>
           </a:p>
@@ -488,7 +488,7 @@
           <a:p>
             <a:fld id="{3F9AFA87-1417-4992-ABD9-27C3BC8CC883}" type="datetimeFigureOut">
               <a:rPr lang="en-US" smtClean="0"/>
-              <a:t>7/21/22</a:t>
+              <a:t>11/15/22</a:t>
             </a:fld>
             <a:endParaRPr lang="en-US"/>
           </a:p>
@@ -698,7 +698,7 @@
           <a:p>
             <a:fld id="{3F9AFA87-1417-4992-ABD9-27C3BC8CC883}" type="datetimeFigureOut">
               <a:rPr lang="en-US" smtClean="0"/>
-              <a:t>7/21/22</a:t>
+              <a:t>11/15/22</a:t>
             </a:fld>
             <a:endParaRPr lang="en-US"/>
           </a:p>
@@ -896,7 +896,7 @@
           <a:p>
             <a:fld id="{3F9AFA87-1417-4992-ABD9-27C3BC8CC883}" type="datetimeFigureOut">
               <a:rPr lang="en-US" smtClean="0"/>
-              <a:t>7/21/22</a:t>
+              <a:t>11/15/22</a:t>
             </a:fld>
             <a:endParaRPr lang="en-US"/>
           </a:p>
@@ -1170,7 +1170,7 @@
           <a:p>
             <a:fld id="{3F9AFA87-1417-4992-ABD9-27C3BC8CC883}" type="datetimeFigureOut">
               <a:rPr lang="en-US" smtClean="0"/>
-              <a:t>7/21/22</a:t>
+              <a:t>11/15/22</a:t>
             </a:fld>
             <a:endParaRPr lang="en-US"/>
           </a:p>
@@ -1435,7 +1435,7 @@
           <a:p>
             <a:fld id="{3F9AFA87-1417-4992-ABD9-27C3BC8CC883}" type="datetimeFigureOut">
               <a:rPr lang="en-US" smtClean="0"/>
-              <a:t>7/21/22</a:t>
+              <a:t>11/15/22</a:t>
             </a:fld>
             <a:endParaRPr lang="en-US" dirty="0"/>
           </a:p>
@@ -1822,7 +1822,7 @@
           <a:p>
             <a:fld id="{3F9AFA87-1417-4992-ABD9-27C3BC8CC883}" type="datetimeFigureOut">
               <a:rPr lang="en-US" smtClean="0"/>
-              <a:t>7/21/22</a:t>
+              <a:t>11/15/22</a:t>
             </a:fld>
             <a:endParaRPr lang="en-US"/>
           </a:p>
@@ -1992,7 +1992,7 @@
           <a:p>
             <a:fld id="{3F9AFA87-1417-4992-ABD9-27C3BC8CC883}" type="datetimeFigureOut">
               <a:rPr lang="en-US" smtClean="0"/>
-              <a:t>7/21/22</a:t>
+              <a:t>11/15/22</a:t>
             </a:fld>
             <a:endParaRPr lang="en-US"/>
           </a:p>
@@ -2105,7 +2105,7 @@
           <a:p>
             <a:fld id="{3F9AFA87-1417-4992-ABD9-27C3BC8CC883}" type="datetimeFigureOut">
               <a:rPr lang="en-US" smtClean="0"/>
-              <a:t>7/21/22</a:t>
+              <a:t>11/15/22</a:t>
             </a:fld>
             <a:endParaRPr lang="en-US"/>
           </a:p>
@@ -2425,7 +2425,7 @@
           <a:p>
             <a:fld id="{3F9AFA87-1417-4992-ABD9-27C3BC8CC883}" type="datetimeFigureOut">
               <a:rPr lang="en-US" smtClean="0"/>
-              <a:t>7/21/22</a:t>
+              <a:t>11/15/22</a:t>
             </a:fld>
             <a:endParaRPr lang="en-US"/>
           </a:p>
@@ -2730,7 +2730,7 @@
           <a:p>
             <a:fld id="{3F9AFA87-1417-4992-ABD9-27C3BC8CC883}" type="datetimeFigureOut">
               <a:rPr lang="en-US" smtClean="0"/>
-              <a:t>7/21/22</a:t>
+              <a:t>11/15/22</a:t>
             </a:fld>
             <a:endParaRPr lang="en-US"/>
           </a:p>
@@ -2973,7 +2973,7 @@
             <a:fld id="{3F9AFA87-1417-4992-ABD9-27C3BC8CC883}" type="datetimeFigureOut">
               <a:rPr lang="en-US" smtClean="0"/>
               <a:pPr algn="r"/>
-              <a:t>7/21/22</a:t>
+              <a:t>11/15/22</a:t>
             </a:fld>
             <a:endParaRPr lang="en-US" dirty="0"/>
           </a:p>
@@ -4535,72 +4535,42 @@
           <a:chExt cx="0" cy="0"/>
         </a:xfrm>
       </p:grpSpPr>
-      <p:sp>
-        <p:nvSpPr>
-          <p:cNvPr id="2" name="Title 1">
-            <a:extLst>
-              <a:ext uri="{FF2B5EF4-FFF2-40B4-BE49-F238E27FC236}">
-                <a16:creationId xmlns:a16="http://schemas.microsoft.com/office/drawing/2014/main" id="{2CDFA91A-4F06-BD43-BD57-811917B13E67}"/>
-              </a:ext>
-            </a:extLst>
-          </p:cNvPr>
-          <p:cNvSpPr>
-            <a:spLocks noGrp="1"/>
-          </p:cNvSpPr>
-          <p:nvPr>
-            <p:ph type="title"/>
-          </p:nvPr>
-        </p:nvSpPr>
-        <p:spPr/>
-        <p:txBody>
-          <a:bodyPr/>
-          <a:lstStyle/>
-          <a:p>
-            <a:r>
-              <a:rPr lang="en-US" dirty="0"/>
-              <a:t>Homework - Tuple Practice</a:t>
-            </a:r>
-          </a:p>
-        </p:txBody>
-      </p:sp>
-      <p:sp>
-        <p:nvSpPr>
-          <p:cNvPr id="3" name="Content Placeholder 2">
-            <a:extLst>
-              <a:ext uri="{FF2B5EF4-FFF2-40B4-BE49-F238E27FC236}">
-                <a16:creationId xmlns:a16="http://schemas.microsoft.com/office/drawing/2014/main" id="{0115DFE4-1A72-8848-883F-4686B6F0076F}"/>
-              </a:ext>
-            </a:extLst>
-          </p:cNvPr>
-          <p:cNvSpPr>
-            <a:spLocks noGrp="1"/>
-          </p:cNvSpPr>
+      <p:pic>
+        <p:nvPicPr>
+          <p:cNvPr id="4" name="Content Placeholder 3">
+            <a:extLst>
+              <a:ext uri="{FF2B5EF4-FFF2-40B4-BE49-F238E27FC236}">
+                <a16:creationId xmlns:a16="http://schemas.microsoft.com/office/drawing/2014/main" id="{72DDC7CD-55FA-5248-9563-A7A6E1D442FE}"/>
+              </a:ext>
+            </a:extLst>
+          </p:cNvPr>
+          <p:cNvPicPr>
+            <a:picLocks noGrp="1" noChangeAspect="1"/>
+          </p:cNvPicPr>
           <p:nvPr>
             <p:ph idx="1"/>
           </p:nvPr>
-        </p:nvSpPr>
-        <p:spPr/>
-        <p:txBody>
-          <a:bodyPr/>
-          <a:lstStyle/>
-          <a:p>
-            <a:r>
-              <a:rPr lang="en-US" dirty="0">
-                <a:hlinkClick r:id="rId2"/>
-              </a:rPr>
-              <a:t>https://pynative.com/python-tuple-exercise-with-solutions/</a:t>
-            </a:r>
-            <a:endParaRPr lang="en-US" dirty="0"/>
-          </a:p>
-          <a:p>
-            <a:endParaRPr lang="en-US" dirty="0"/>
-          </a:p>
-        </p:txBody>
-      </p:sp>
+        </p:nvPicPr>
+        <p:blipFill>
+          <a:blip r:embed="rId2"/>
+          <a:stretch>
+            <a:fillRect/>
+          </a:stretch>
+        </p:blipFill>
+        <p:spPr>
+          <a:xfrm>
+            <a:off x="1077989" y="404037"/>
+            <a:ext cx="9889421" cy="5698691"/>
+          </a:xfrm>
+          <a:prstGeom prst="rect">
+            <a:avLst/>
+          </a:prstGeom>
+        </p:spPr>
+      </p:pic>
     </p:spTree>
     <p:extLst>
       <p:ext uri="{BB962C8B-B14F-4D97-AF65-F5344CB8AC3E}">
-        <p14:creationId xmlns:p14="http://schemas.microsoft.com/office/powerpoint/2010/main" val="1957518585"/>
+        <p14:creationId xmlns:p14="http://schemas.microsoft.com/office/powerpoint/2010/main" val="2984044338"/>
       </p:ext>
     </p:extLst>
   </p:cSld>
@@ -4627,72 +4597,42 @@
           <a:chExt cx="0" cy="0"/>
         </a:xfrm>
       </p:grpSpPr>
-      <p:sp>
-        <p:nvSpPr>
-          <p:cNvPr id="2" name="Title 1">
-            <a:extLst>
-              <a:ext uri="{FF2B5EF4-FFF2-40B4-BE49-F238E27FC236}">
-                <a16:creationId xmlns:a16="http://schemas.microsoft.com/office/drawing/2014/main" id="{B3834036-7154-4742-A0BA-3D9927560D58}"/>
-              </a:ext>
-            </a:extLst>
-          </p:cNvPr>
-          <p:cNvSpPr>
-            <a:spLocks noGrp="1"/>
-          </p:cNvSpPr>
-          <p:nvPr>
-            <p:ph type="title"/>
-          </p:nvPr>
-        </p:nvSpPr>
-        <p:spPr/>
-        <p:txBody>
-          <a:bodyPr/>
-          <a:lstStyle/>
-          <a:p>
-            <a:r>
-              <a:rPr lang="en-US" dirty="0"/>
-              <a:t>Homework - Dictionary Practice</a:t>
-            </a:r>
-          </a:p>
-        </p:txBody>
-      </p:sp>
-      <p:sp>
-        <p:nvSpPr>
-          <p:cNvPr id="3" name="Content Placeholder 2">
-            <a:extLst>
-              <a:ext uri="{FF2B5EF4-FFF2-40B4-BE49-F238E27FC236}">
-                <a16:creationId xmlns:a16="http://schemas.microsoft.com/office/drawing/2014/main" id="{1C9A33AF-630D-0F4E-8EDE-8F9301C0872E}"/>
-              </a:ext>
-            </a:extLst>
-          </p:cNvPr>
-          <p:cNvSpPr>
-            <a:spLocks noGrp="1"/>
-          </p:cNvSpPr>
+      <p:pic>
+        <p:nvPicPr>
+          <p:cNvPr id="4" name="Content Placeholder 3">
+            <a:extLst>
+              <a:ext uri="{FF2B5EF4-FFF2-40B4-BE49-F238E27FC236}">
+                <a16:creationId xmlns:a16="http://schemas.microsoft.com/office/drawing/2014/main" id="{5F3781FC-2497-824B-BA9D-0C71807AF290}"/>
+              </a:ext>
+            </a:extLst>
+          </p:cNvPr>
+          <p:cNvPicPr>
+            <a:picLocks noGrp="1" noChangeAspect="1"/>
+          </p:cNvPicPr>
           <p:nvPr>
             <p:ph idx="1"/>
           </p:nvPr>
-        </p:nvSpPr>
-        <p:spPr/>
-        <p:txBody>
-          <a:bodyPr/>
-          <a:lstStyle/>
-          <a:p>
-            <a:r>
-              <a:rPr lang="en-US" dirty="0">
-                <a:hlinkClick r:id="rId2"/>
-              </a:rPr>
-              <a:t>https://pynative.com/python-dictionary-exercise-with-solutions/</a:t>
-            </a:r>
-            <a:endParaRPr lang="en-US" dirty="0"/>
-          </a:p>
-          <a:p>
-            <a:endParaRPr lang="en-US" dirty="0"/>
-          </a:p>
-        </p:txBody>
-      </p:sp>
+        </p:nvPicPr>
+        <p:blipFill>
+          <a:blip r:embed="rId2"/>
+          <a:stretch>
+            <a:fillRect/>
+          </a:stretch>
+        </p:blipFill>
+        <p:spPr>
+          <a:xfrm>
+            <a:off x="838200" y="853263"/>
+            <a:ext cx="10424516" cy="5151474"/>
+          </a:xfrm>
+          <a:prstGeom prst="rect">
+            <a:avLst/>
+          </a:prstGeom>
+        </p:spPr>
+      </p:pic>
     </p:spTree>
     <p:extLst>
       <p:ext uri="{BB962C8B-B14F-4D97-AF65-F5344CB8AC3E}">
-        <p14:creationId xmlns:p14="http://schemas.microsoft.com/office/powerpoint/2010/main" val="1808293023"/>
+        <p14:creationId xmlns:p14="http://schemas.microsoft.com/office/powerpoint/2010/main" val="2731047741"/>
       </p:ext>
     </p:extLst>
   </p:cSld>
@@ -4836,7 +4776,7 @@
           <p:cNvPr id="2" name="Title 1">
             <a:extLst>
               <a:ext uri="{FF2B5EF4-FFF2-40B4-BE49-F238E27FC236}">
-                <a16:creationId xmlns:a16="http://schemas.microsoft.com/office/drawing/2014/main" id="{690F1A1B-C8A4-0E42-8DAD-F3AC75C857F7}"/>
+                <a16:creationId xmlns:a16="http://schemas.microsoft.com/office/drawing/2014/main" id="{2CDFA91A-4F06-BD43-BD57-811917B13E67}"/>
               </a:ext>
             </a:extLst>
           </p:cNvPr>
@@ -4852,7 +4792,10 @@
           <a:bodyPr/>
           <a:lstStyle/>
           <a:p>
-            <a:endParaRPr lang="en-US"/>
+            <a:r>
+              <a:rPr lang="en-US" dirty="0"/>
+              <a:t>Homework - Tuple Practice</a:t>
+            </a:r>
           </a:p>
         </p:txBody>
       </p:sp>
@@ -4861,7 +4804,7 @@
           <p:cNvPr id="3" name="Content Placeholder 2">
             <a:extLst>
               <a:ext uri="{FF2B5EF4-FFF2-40B4-BE49-F238E27FC236}">
-                <a16:creationId xmlns:a16="http://schemas.microsoft.com/office/drawing/2014/main" id="{6DA5083D-8A1F-274B-8224-B35A997A4B69}"/>
+                <a16:creationId xmlns:a16="http://schemas.microsoft.com/office/drawing/2014/main" id="{0115DFE4-1A72-8848-883F-4686B6F0076F}"/>
               </a:ext>
             </a:extLst>
           </p:cNvPr>
@@ -4881,7 +4824,7 @@
               <a:rPr lang="en-US" dirty="0">
                 <a:hlinkClick r:id="rId2"/>
               </a:rPr>
-              <a:t>https://dmoj.ca/problem/ccc00s1</a:t>
+              <a:t>https://pynative.com/python-tuple-exercise-with-solutions/</a:t>
             </a:r>
             <a:endParaRPr lang="en-US" dirty="0"/>
           </a:p>
@@ -4893,7 +4836,7 @@
     </p:spTree>
     <p:extLst>
       <p:ext uri="{BB962C8B-B14F-4D97-AF65-F5344CB8AC3E}">
-        <p14:creationId xmlns:p14="http://schemas.microsoft.com/office/powerpoint/2010/main" val="233236662"/>
+        <p14:creationId xmlns:p14="http://schemas.microsoft.com/office/powerpoint/2010/main" val="1957518585"/>
       </p:ext>
     </p:extLst>
   </p:cSld>
@@ -4925,7 +4868,7 @@
           <p:cNvPr id="2" name="Title 1">
             <a:extLst>
               <a:ext uri="{FF2B5EF4-FFF2-40B4-BE49-F238E27FC236}">
-                <a16:creationId xmlns:a16="http://schemas.microsoft.com/office/drawing/2014/main" id="{B9B0F304-4261-EE4F-A86E-88C0477F12BA}"/>
+                <a16:creationId xmlns:a16="http://schemas.microsoft.com/office/drawing/2014/main" id="{B3834036-7154-4742-A0BA-3D9927560D58}"/>
               </a:ext>
             </a:extLst>
           </p:cNvPr>
@@ -4941,7 +4884,10 @@
           <a:bodyPr/>
           <a:lstStyle/>
           <a:p>
-            <a:endParaRPr lang="en-US"/>
+            <a:r>
+              <a:rPr lang="en-US" dirty="0"/>
+              <a:t>Homework - Dictionary Practice</a:t>
+            </a:r>
           </a:p>
         </p:txBody>
       </p:sp>
@@ -4950,7 +4896,7 @@
           <p:cNvPr id="3" name="Content Placeholder 2">
             <a:extLst>
               <a:ext uri="{FF2B5EF4-FFF2-40B4-BE49-F238E27FC236}">
-                <a16:creationId xmlns:a16="http://schemas.microsoft.com/office/drawing/2014/main" id="{107C2F0D-F810-604B-8122-77B81B9359BC}"/>
+                <a16:creationId xmlns:a16="http://schemas.microsoft.com/office/drawing/2014/main" id="{1C9A33AF-630D-0F4E-8EDE-8F9301C0872E}"/>
               </a:ext>
             </a:extLst>
           </p:cNvPr>
@@ -4970,7 +4916,7 @@
               <a:rPr lang="en-US" dirty="0">
                 <a:hlinkClick r:id="rId2"/>
               </a:rPr>
-              <a:t>https://dmoj.ca/problem/ccc00s2</a:t>
+              <a:t>https://pynative.com/python-dictionary-exercise-with-solutions/</a:t>
             </a:r>
             <a:endParaRPr lang="en-US" dirty="0"/>
           </a:p>
@@ -4982,7 +4928,7 @@
     </p:spTree>
     <p:extLst>
       <p:ext uri="{BB962C8B-B14F-4D97-AF65-F5344CB8AC3E}">
-        <p14:creationId xmlns:p14="http://schemas.microsoft.com/office/powerpoint/2010/main" val="2035355279"/>
+        <p14:creationId xmlns:p14="http://schemas.microsoft.com/office/powerpoint/2010/main" val="1808293023"/>
       </p:ext>
     </p:extLst>
   </p:cSld>
